--- a/src/figures/layer.pptx
+++ b/src/figures/layer.pptx
@@ -197,7 +197,7 @@
           <a:p>
             <a:fld id="{C1C90ABE-C08A-444A-9B97-50985CA7357E}" type="datetimeFigureOut">
               <a:rPr kumimoji="1" lang="ja-JP" altLang="en-US" smtClean="0"/>
-              <a:t>2024/7/29</a:t>
+              <a:t>2024/8/1</a:t>
             </a:fld>
             <a:endParaRPr kumimoji="1" lang="ja-JP" altLang="en-US"/>
           </a:p>
@@ -2293,8 +2293,8 @@
           </a:p>
         </p:txBody>
       </p:sp>
-      <mc:AlternateContent xmlns:mc="http://schemas.openxmlformats.org/markup-compatibility/2006">
-        <mc:Choice xmlns:a14="http://schemas.microsoft.com/office/drawing/2010/main" Requires="a14">
+      <mc:AlternateContent xmlns:mc="http://schemas.openxmlformats.org/markup-compatibility/2006" xmlns:a14="http://schemas.microsoft.com/office/drawing/2010/main">
+        <mc:Choice Requires="a14">
           <p:graphicFrame>
             <p:nvGraphicFramePr>
               <p:cNvPr id="191" name="表 49">
@@ -2632,7 +2632,7 @@
             </a:graphic>
           </p:graphicFrame>
         </mc:Choice>
-        <mc:Fallback>
+        <mc:Fallback xmlns="">
           <p:graphicFrame>
             <p:nvGraphicFramePr>
               <p:cNvPr id="191" name="表 49">
@@ -4436,7 +4436,7 @@
         </p:nvSpPr>
         <p:spPr>
           <a:xfrm>
-            <a:off x="1657793" y="1944824"/>
+            <a:off x="1820252" y="1944824"/>
             <a:ext cx="1219664" cy="281872"/>
           </a:xfrm>
           <a:prstGeom prst="rect">
@@ -4608,8 +4608,8 @@
           </a:p>
         </p:txBody>
       </p:sp>
-      <mc:AlternateContent xmlns:mc="http://schemas.openxmlformats.org/markup-compatibility/2006">
-        <mc:Choice xmlns:a14="http://schemas.microsoft.com/office/drawing/2010/main" Requires="a14">
+      <mc:AlternateContent xmlns:mc="http://schemas.openxmlformats.org/markup-compatibility/2006" xmlns:a14="http://schemas.microsoft.com/office/drawing/2010/main">
+        <mc:Choice Requires="a14">
           <p:graphicFrame>
             <p:nvGraphicFramePr>
               <p:cNvPr id="5" name="表 49">
@@ -4625,13 +4625,13 @@
               <p:nvPr>
                 <p:extLst>
                   <p:ext uri="{D42A27DB-BD31-4B8C-83A1-F6EECF244321}">
-                    <p14:modId xmlns:p14="http://schemas.microsoft.com/office/powerpoint/2010/main" val="1487529748"/>
+                    <p14:modId xmlns:p14="http://schemas.microsoft.com/office/powerpoint/2010/main" val="2717408234"/>
                   </p:ext>
                 </p:extLst>
               </p:nvPr>
             </p:nvGraphicFramePr>
             <p:xfrm>
-              <a:off x="1019075" y="2017620"/>
+              <a:off x="1172248" y="2017620"/>
               <a:ext cx="538001" cy="707809"/>
             </p:xfrm>
             <a:graphic>
@@ -4947,7 +4947,7 @@
             </a:graphic>
           </p:graphicFrame>
         </mc:Choice>
-        <mc:Fallback>
+        <mc:Fallback xmlns="">
           <p:graphicFrame>
             <p:nvGraphicFramePr>
               <p:cNvPr id="5" name="表 49">
@@ -4963,13 +4963,13 @@
               <p:nvPr>
                 <p:extLst>
                   <p:ext uri="{D42A27DB-BD31-4B8C-83A1-F6EECF244321}">
-                    <p14:modId xmlns:p14="http://schemas.microsoft.com/office/powerpoint/2010/main" val="1487529748"/>
+                    <p14:modId xmlns:p14="http://schemas.microsoft.com/office/powerpoint/2010/main" val="2717408234"/>
                   </p:ext>
                 </p:extLst>
               </p:nvPr>
             </p:nvGraphicFramePr>
             <p:xfrm>
-              <a:off x="1019075" y="2017620"/>
+              <a:off x="1172248" y="2017620"/>
               <a:ext cx="538001" cy="707809"/>
             </p:xfrm>
             <a:graphic>
@@ -5318,9 +5318,9 @@
           <p:nvPr/>
         </p:nvCxnSpPr>
         <p:spPr>
-          <a:xfrm flipH="1">
-            <a:off x="1288075" y="1799939"/>
-            <a:ext cx="150986" cy="217681"/>
+          <a:xfrm>
+            <a:off x="1439061" y="1799939"/>
+            <a:ext cx="2187" cy="217681"/>
           </a:xfrm>
           <a:prstGeom prst="straightConnector1">
             <a:avLst/>
@@ -5348,6 +5348,155 @@
           </a:fontRef>
         </p:style>
       </p:cxnSp>
+      <p:sp>
+        <p:nvSpPr>
+          <p:cNvPr id="2" name="四角形: 角を丸くする 1">
+            <a:extLst>
+              <a:ext uri="{FF2B5EF4-FFF2-40B4-BE49-F238E27FC236}">
+                <a16:creationId xmlns:a16="http://schemas.microsoft.com/office/drawing/2014/main" id="{89C4DCF6-DE5F-9D75-7889-825701237853}"/>
+              </a:ext>
+            </a:extLst>
+          </p:cNvPr>
+          <p:cNvSpPr/>
+          <p:nvPr/>
+        </p:nvSpPr>
+        <p:spPr>
+          <a:xfrm>
+            <a:off x="1109239" y="1944824"/>
+            <a:ext cx="1699171" cy="858453"/>
+          </a:xfrm>
+          <a:prstGeom prst="roundRect">
+            <a:avLst/>
+          </a:prstGeom>
+          <a:noFill/>
+          <a:ln w="9525">
+            <a:solidFill>
+              <a:schemeClr val="accent1">
+                <a:lumMod val="50000"/>
+              </a:schemeClr>
+            </a:solidFill>
+            <a:prstDash val="sysDot"/>
+          </a:ln>
+        </p:spPr>
+        <p:style>
+          <a:lnRef idx="2">
+            <a:schemeClr val="accent1">
+              <a:shade val="50000"/>
+            </a:schemeClr>
+          </a:lnRef>
+          <a:fillRef idx="1">
+            <a:schemeClr val="accent1"/>
+          </a:fillRef>
+          <a:effectRef idx="0">
+            <a:schemeClr val="accent1"/>
+          </a:effectRef>
+          <a:fontRef idx="minor">
+            <a:schemeClr val="lt1"/>
+          </a:fontRef>
+        </p:style>
+        <p:txBody>
+          <a:bodyPr lIns="0" tIns="0" rIns="0" bIns="0" rtlCol="0" anchor="ctr"/>
+          <a:lstStyle/>
+          <a:p>
+            <a:pPr algn="ctr"/>
+            <a:endParaRPr kumimoji="1" lang="ja-JP" altLang="en-US" dirty="0">
+              <a:solidFill>
+                <a:schemeClr val="tx1"/>
+              </a:solidFill>
+            </a:endParaRPr>
+          </a:p>
+        </p:txBody>
+      </p:sp>
+      <p:sp>
+        <p:nvSpPr>
+          <p:cNvPr id="3" name="テキスト ボックス 2">
+            <a:extLst>
+              <a:ext uri="{FF2B5EF4-FFF2-40B4-BE49-F238E27FC236}">
+                <a16:creationId xmlns:a16="http://schemas.microsoft.com/office/drawing/2014/main" id="{B3730810-7C0B-2C98-41C5-BE20B038AF4A}"/>
+              </a:ext>
+            </a:extLst>
+          </p:cNvPr>
+          <p:cNvSpPr txBox="1"/>
+          <p:nvPr/>
+        </p:nvSpPr>
+        <p:spPr>
+          <a:xfrm>
+            <a:off x="1833547" y="1794157"/>
+            <a:ext cx="765400" cy="134076"/>
+          </a:xfrm>
+          <a:prstGeom prst="rect">
+            <a:avLst/>
+          </a:prstGeom>
+          <a:noFill/>
+        </p:spPr>
+        <p:txBody>
+          <a:bodyPr wrap="square" lIns="0" tIns="0" rIns="0" bIns="0" rtlCol="0">
+            <a:spAutoFit/>
+          </a:bodyPr>
+          <a:lstStyle/>
+          <a:p>
+            <a:pPr>
+              <a:lnSpc>
+                <a:spcPct val="120000"/>
+              </a:lnSpc>
+              <a:spcAft>
+                <a:spcPts val="1200"/>
+              </a:spcAft>
+              <a:buClr>
+                <a:schemeClr val="accent6">
+                  <a:lumMod val="50000"/>
+                </a:schemeClr>
+              </a:buClr>
+              <a:buSzPct val="100000"/>
+            </a:pPr>
+            <a:r>
+              <a:rPr lang="en-US" altLang="ja-JP" sz="800" dirty="0">
+                <a:solidFill>
+                  <a:srgbClr val="002060"/>
+                </a:solidFill>
+              </a:rPr>
+              <a:t>Create</a:t>
+            </a:r>
+            <a:r>
+              <a:rPr lang="ja-JP" altLang="en-US" sz="800" dirty="0">
+                <a:solidFill>
+                  <a:srgbClr val="002060"/>
+                </a:solidFill>
+              </a:rPr>
+              <a:t> </a:t>
+            </a:r>
+            <a:r>
+              <a:rPr lang="en-US" altLang="ja-JP" sz="800" dirty="0">
+                <a:solidFill>
+                  <a:srgbClr val="002060"/>
+                </a:solidFill>
+              </a:rPr>
+              <a:t>new</a:t>
+            </a:r>
+            <a:r>
+              <a:rPr lang="ja-JP" altLang="en-US" sz="800" dirty="0">
+                <a:solidFill>
+                  <a:srgbClr val="002060"/>
+                </a:solidFill>
+              </a:rPr>
+              <a:t> </a:t>
+            </a:r>
+            <a:r>
+              <a:rPr lang="en-US" altLang="ja-JP" sz="800" dirty="0">
+                <a:solidFill>
+                  <a:srgbClr val="002060"/>
+                </a:solidFill>
+              </a:rPr>
+              <a:t>layer</a:t>
+            </a:r>
+            <a:endParaRPr kumimoji="1" lang="ja-JP" altLang="en-US" sz="800" dirty="0">
+              <a:solidFill>
+                <a:srgbClr val="002060"/>
+              </a:solidFill>
+            </a:endParaRPr>
+          </a:p>
+        </p:txBody>
+      </p:sp>
     </p:spTree>
     <p:extLst>
       <p:ext uri="{BB962C8B-B14F-4D97-AF65-F5344CB8AC3E}">
